--- a/Slides/20486Core_10.pptx
+++ b/Slides/20486Core_10.pptx
@@ -39,46 +39,46 @@
   <p:notesSz cx="6858000" cy="9144000"/>
   <p:embeddedFontLst>
     <p:embeddedFont>
-      <p:font typeface="Segoe UI" panose="020B0502040204020203" pitchFamily="34" charset="0"/>
+      <p:font typeface="Calibri" panose="020F0502020204030204" pitchFamily="34" charset="0"/>
       <p:regular r:id="rId29"/>
       <p:bold r:id="rId30"/>
       <p:italic r:id="rId31"/>
       <p:boldItalic r:id="rId32"/>
     </p:embeddedFont>
     <p:embeddedFont>
-      <p:font typeface="Segoe Light" panose="020B0604020202020204" charset="0"/>
+      <p:font typeface="Segoe" panose="020B0604020202020204" charset="0"/>
       <p:regular r:id="rId33"/>
-      <p:italic r:id="rId34"/>
+      <p:bold r:id="rId34"/>
+      <p:italic r:id="rId35"/>
+      <p:boldItalic r:id="rId36"/>
     </p:embeddedFont>
     <p:embeddedFont>
-      <p:font typeface="Segoe" panose="020B0604020202020204" charset="0"/>
-      <p:regular r:id="rId35"/>
-      <p:bold r:id="rId36"/>
-      <p:italic r:id="rId37"/>
-      <p:boldItalic r:id="rId38"/>
+      <p:font typeface="Segoe Light" panose="020B0604020202020204" charset="0"/>
+      <p:regular r:id="rId37"/>
+      <p:italic r:id="rId38"/>
     </p:embeddedFont>
     <p:embeddedFont>
-      <p:font typeface="Calibri" panose="020F0502020204030204" pitchFamily="34" charset="0"/>
+      <p:font typeface="Verdana" panose="020B0604030504040204" pitchFamily="34" charset="0"/>
       <p:regular r:id="rId39"/>
       <p:bold r:id="rId40"/>
       <p:italic r:id="rId41"/>
       <p:boldItalic r:id="rId42"/>
     </p:embeddedFont>
     <p:embeddedFont>
-      <p:font typeface="Verdana" panose="020B0604030504040204" pitchFamily="34" charset="0"/>
+      <p:font typeface="Segoe UI Light" panose="020B0502040204020203" pitchFamily="34" charset="0"/>
       <p:regular r:id="rId43"/>
-      <p:bold r:id="rId44"/>
-      <p:italic r:id="rId45"/>
-      <p:boldItalic r:id="rId46"/>
-    </p:embeddedFont>
-    <p:embeddedFont>
-      <p:font typeface="Segoe UI Light" panose="020B0502040204020203" pitchFamily="34" charset="0"/>
-      <p:regular r:id="rId47"/>
-      <p:italic r:id="rId48"/>
+      <p:italic r:id="rId44"/>
     </p:embeddedFont>
     <p:embeddedFont>
       <p:font typeface="Lucida Sans Unicode" panose="020B0602030504020204" pitchFamily="34" charset="0"/>
-      <p:regular r:id="rId49"/>
+      <p:regular r:id="rId45"/>
+    </p:embeddedFont>
+    <p:embeddedFont>
+      <p:font typeface="Segoe UI" panose="020B0502040204020203" pitchFamily="34" charset="0"/>
+      <p:regular r:id="rId46"/>
+      <p:bold r:id="rId47"/>
+      <p:italic r:id="rId48"/>
+      <p:boldItalic r:id="rId49"/>
     </p:embeddedFont>
   </p:embeddedFontLst>
   <p:custDataLst>
@@ -295,7 +295,7 @@
             <a:fld id="{A843FEB3-772F-4B67-A5D4-55B6317B3E1F}" type="datetimeFigureOut">
               <a:rPr lang="en-US" smtClean="0"/>
               <a:pPr/>
-              <a:t>12/14/2016</a:t>
+              <a:t>12/20/2016</a:t>
             </a:fld>
             <a:endParaRPr lang="en-US"/>
           </a:p>
@@ -14469,24 +14469,20 @@
             <a:spLocks noGrp="1"/>
           </p:cNvSpPr>
           <p:nvPr>
-            <p:ph type="ctrTitle" sz="quarter"/>
+            <p:ph type="title"/>
           </p:nvPr>
         </p:nvSpPr>
-        <p:spPr>
-          <a:xfrm>
-            <a:off x="3106782" y="3169492"/>
-            <a:ext cx="5732417" cy="340093"/>
-          </a:xfrm>
-        </p:spPr>
+        <p:spPr/>
         <p:txBody>
           <a:bodyPr/>
           <a:lstStyle/>
           <a:p>
-            <a:r>
-              <a:rPr lang="en-US" sz="2600" smtClean="0"/>
+            <a:pPr algn="ctr"/>
+            <a:r>
+              <a:rPr lang="en-US" sz="2600" dirty="0" smtClean="0"/>
               <a:t>Module10</a:t>
             </a:r>
-            <a:endParaRPr lang="en-US" sz="2600"/>
+            <a:endParaRPr lang="en-US" sz="2600" dirty="0"/>
           </a:p>
         </p:txBody>
       </p:sp>
@@ -14497,25 +14493,64 @@
             <a:spLocks noGrp="1"/>
           </p:cNvSpPr>
           <p:nvPr>
-            <p:ph type="subTitle" sz="quarter" idx="1"/>
+            <p:ph idx="1"/>
           </p:nvPr>
         </p:nvSpPr>
-        <p:spPr>
-          <a:xfrm>
-            <a:off x="3121297" y="3810000"/>
-            <a:ext cx="5775960" cy="1219200"/>
-          </a:xfrm>
-        </p:spPr>
+        <p:spPr/>
         <p:txBody>
-          <a:bodyPr/>
+          <a:bodyPr anchor="ctr"/>
           <a:lstStyle/>
           <a:p>
-            <a:r>
-              <a:rPr lang="en-US" dirty="0" smtClean="0"/>
-              <a:t>Using JavaScript and jQuery for Responsive MVC Core Web Applications
-</a:t>
-            </a:r>
-            <a:endParaRPr lang="en-US" dirty="0"/>
+            <a:pPr marL="0" indent="0" algn="ctr">
+              <a:buNone/>
+            </a:pPr>
+            <a:r>
+              <a:rPr lang="en-US" sz="4400" dirty="0" smtClean="0"/>
+              <a:t>Using JavaScript and jQuery </a:t>
+            </a:r>
+            <a:endParaRPr lang="en-US" sz="4400" dirty="0" smtClean="0"/>
+          </a:p>
+          <a:p>
+            <a:pPr marL="0" indent="0" algn="ctr">
+              <a:buNone/>
+            </a:pPr>
+            <a:r>
+              <a:rPr lang="en-US" sz="4400" dirty="0" smtClean="0"/>
+              <a:t>for </a:t>
+            </a:r>
+            <a:r>
+              <a:rPr lang="en-US" sz="4400" dirty="0" smtClean="0"/>
+              <a:t>Responsive </a:t>
+            </a:r>
+            <a:endParaRPr lang="en-US" sz="4400" dirty="0" smtClean="0"/>
+          </a:p>
+          <a:p>
+            <a:pPr marL="0" indent="0" algn="ctr">
+              <a:buNone/>
+            </a:pPr>
+            <a:r>
+              <a:rPr lang="en-US" sz="4400" dirty="0" err="1" smtClean="0"/>
+              <a:t>ASP.Net</a:t>
+            </a:r>
+            <a:r>
+              <a:rPr lang="en-US" sz="4400" dirty="0" smtClean="0"/>
+              <a:t> MVC </a:t>
+            </a:r>
+            <a:r>
+              <a:rPr lang="en-US" sz="4400" dirty="0" smtClean="0"/>
+              <a:t>Core </a:t>
+            </a:r>
+            <a:endParaRPr lang="en-US" sz="4400" dirty="0" smtClean="0"/>
+          </a:p>
+          <a:p>
+            <a:pPr marL="0" indent="0" algn="ctr">
+              <a:buNone/>
+            </a:pPr>
+            <a:r>
+              <a:rPr lang="en-US" sz="4400" dirty="0" smtClean="0"/>
+              <a:t>Web Applications</a:t>
+            </a:r>
+            <a:endParaRPr lang="en-US" sz="4400" dirty="0"/>
           </a:p>
         </p:txBody>
       </p:sp>
@@ -19448,10 +19483,18 @@
           <a:lstStyle/>
           <a:p>
             <a:r>
-              <a:rPr lang="en-US" smtClean="0"/>
-              <a:t>Lab: Using JavaScript and jQuery for Responsive MVC 4 Web Applications</a:t>
-            </a:r>
-            <a:endParaRPr lang="en-US"/>
+              <a:rPr lang="en-US" dirty="0" smtClean="0"/>
+              <a:t>Lab: Using JavaScript and jQuery for Responsive MVC </a:t>
+            </a:r>
+            <a:r>
+              <a:rPr lang="en-US" dirty="0" smtClean="0"/>
+              <a:t>Core </a:t>
+            </a:r>
+            <a:r>
+              <a:rPr lang="en-US" dirty="0" smtClean="0"/>
+              <a:t>Web Applications</a:t>
+            </a:r>
+            <a:endParaRPr lang="en-US" dirty="0"/>
           </a:p>
         </p:txBody>
       </p:sp>
@@ -19492,136 +19535,6 @@
               <a:t> Widget</a:t>
             </a:r>
             <a:endParaRPr lang="en-US" dirty="0"/>
-          </a:p>
-        </p:txBody>
-      </p:sp>
-      <p:sp>
-        <p:nvSpPr>
-          <p:cNvPr id="4" name="TextBox 3"/>
-          <p:cNvSpPr txBox="1"/>
-          <p:nvPr/>
-        </p:nvSpPr>
-        <p:spPr>
-          <a:xfrm>
-            <a:off x="458787" y="2971800"/>
-            <a:ext cx="8119156" cy="523220"/>
-          </a:xfrm>
-          <a:prstGeom prst="rect">
-            <a:avLst/>
-          </a:prstGeom>
-          <a:noFill/>
-        </p:spPr>
-        <p:txBody>
-          <a:bodyPr vert="horz" rtlCol="0">
-            <a:spAutoFit/>
-          </a:bodyPr>
-          <a:lstStyle/>
-          <a:p>
-            <a:r>
-              <a:rPr lang="en-US" sz="2800" dirty="0" smtClean="0">
-                <a:latin typeface="Segoe UI"/>
-              </a:rPr>
-              <a:t>Logon Information</a:t>
-            </a:r>
-            <a:endParaRPr lang="en-US" sz="2800" dirty="0">
-              <a:latin typeface="Segoe UI"/>
-            </a:endParaRPr>
-          </a:p>
-        </p:txBody>
-      </p:sp>
-      <p:sp>
-        <p:nvSpPr>
-          <p:cNvPr id="5" name="TextBox 4"/>
-          <p:cNvSpPr txBox="1"/>
-          <p:nvPr/>
-        </p:nvSpPr>
-        <p:spPr>
-          <a:xfrm>
-            <a:off x="458787" y="3429000"/>
-            <a:ext cx="8119156" cy="2677656"/>
-          </a:xfrm>
-          <a:prstGeom prst="rect">
-            <a:avLst/>
-          </a:prstGeom>
-          <a:noFill/>
-        </p:spPr>
-        <p:txBody>
-          <a:bodyPr vert="horz" rtlCol="0">
-            <a:spAutoFit/>
-          </a:bodyPr>
-          <a:lstStyle/>
-          <a:p>
-            <a:r>
-              <a:rPr lang="en-US" sz="2800" baseline="0" dirty="0" smtClean="0">
-                <a:latin typeface="Segoe UI"/>
-              </a:rPr>
-              <a:t>Virtual Machine: </a:t>
-            </a:r>
-            <a:r>
-              <a:rPr lang="en-US" sz="2800" b="1" baseline="0" dirty="0" smtClean="0">
-                <a:latin typeface="Segoe UI"/>
-              </a:rPr>
-              <a:t>20486B-SEA-DEV11 </a:t>
-            </a:r>
-          </a:p>
-          <a:p>
-            <a:r>
-              <a:rPr lang="en-US" sz="2800" baseline="0" dirty="0" smtClean="0">
-                <a:latin typeface="Segoe UI"/>
-              </a:rPr>
-              <a:t>User name: </a:t>
-            </a:r>
-            <a:r>
-              <a:rPr lang="en-US" sz="2800" b="1" baseline="0" dirty="0" smtClean="0">
-                <a:latin typeface="Segoe UI"/>
-              </a:rPr>
-              <a:t>Admin</a:t>
-            </a:r>
-          </a:p>
-          <a:p>
-            <a:r>
-              <a:rPr lang="en-US" sz="2800" baseline="0" dirty="0" smtClean="0">
-                <a:latin typeface="Segoe UI"/>
-              </a:rPr>
-              <a:t>Password: </a:t>
-            </a:r>
-            <a:r>
-              <a:rPr lang="en-US" sz="2800" b="1" baseline="0" dirty="0" smtClean="0">
-                <a:latin typeface="Segoe UI"/>
-              </a:rPr>
-              <a:t>Pa$$w0rd</a:t>
-            </a:r>
-          </a:p>
-          <a:p>
-            <a:endParaRPr lang="en-US" sz="2800" b="1" baseline="0" dirty="0" smtClean="0">
-              <a:latin typeface="Segoe UI"/>
-            </a:endParaRPr>
-          </a:p>
-          <a:p>
-            <a:r>
-              <a:rPr lang="en-US" sz="2800" b="1" baseline="0" dirty="0" smtClean="0">
-                <a:latin typeface="Segoe UI"/>
-              </a:rPr>
-              <a:t>Note: </a:t>
-            </a:r>
-            <a:r>
-              <a:rPr lang="en-US" sz="2800" baseline="0" dirty="0" smtClean="0">
-                <a:latin typeface="Segoe UI"/>
-              </a:rPr>
-              <a:t>In Hyper-V Manager, start the </a:t>
-            </a:r>
-            <a:r>
-              <a:rPr lang="en-US" sz="2800" b="1" baseline="0" dirty="0" smtClean="0">
-                <a:latin typeface="Segoe UI"/>
-              </a:rPr>
-              <a:t>MSL-TMG1 </a:t>
-            </a:r>
-            <a:r>
-              <a:rPr lang="en-US" sz="2800" baseline="0" dirty="0" smtClean="0">
-                <a:latin typeface="Segoe UI"/>
-              </a:rPr>
-              <a:t>virtual machine if it is not already running.</a:t>
-            </a:r>
           </a:p>
         </p:txBody>
       </p:sp>
@@ -19664,11 +19577,11 @@
   <p:clrMapOvr>
     <a:masterClrMapping/>
   </p:clrMapOvr>
-  <mc:AlternateContent xmlns:mc="http://schemas.openxmlformats.org/markup-compatibility/2006">
-    <mc:Choice xmlns:p14="http://schemas.microsoft.com/office/powerpoint/2010/main" Requires="p14">
+  <mc:AlternateContent xmlns:mc="http://schemas.openxmlformats.org/markup-compatibility/2006" xmlns:p14="http://schemas.microsoft.com/office/powerpoint/2010/main">
+    <mc:Choice Requires="p14">
       <p:transition spd="slow" p14:dur="2000"/>
     </mc:Choice>
-    <mc:Fallback>
+    <mc:Fallback xmlns="">
       <p:transition spd="slow"/>
     </mc:Fallback>
   </mc:AlternateContent>
@@ -19864,11 +19777,11 @@
   <p:clrMapOvr>
     <a:masterClrMapping/>
   </p:clrMapOvr>
-  <mc:AlternateContent xmlns:mc="http://schemas.openxmlformats.org/markup-compatibility/2006">
-    <mc:Choice xmlns:p14="http://schemas.microsoft.com/office/powerpoint/2010/main" Requires="p14">
+  <mc:AlternateContent xmlns:mc="http://schemas.openxmlformats.org/markup-compatibility/2006" xmlns:p14="http://schemas.microsoft.com/office/powerpoint/2010/main">
+    <mc:Choice Requires="p14">
       <p:transition spd="slow" p14:dur="2000"/>
     </mc:Choice>
-    <mc:Fallback>
+    <mc:Fallback xmlns="">
       <p:transition spd="slow"/>
     </mc:Fallback>
   </mc:AlternateContent>
@@ -19944,11 +19857,11 @@
   <p:clrMapOvr>
     <a:masterClrMapping/>
   </p:clrMapOvr>
-  <mc:AlternateContent xmlns:mc="http://schemas.openxmlformats.org/markup-compatibility/2006">
-    <mc:Choice xmlns:p14="http://schemas.microsoft.com/office/powerpoint/2010/main" Requires="p14">
+  <mc:AlternateContent xmlns:mc="http://schemas.openxmlformats.org/markup-compatibility/2006" xmlns:p14="http://schemas.microsoft.com/office/powerpoint/2010/main">
+    <mc:Choice Requires="p14">
       <p:transition spd="slow" p14:dur="2000"/>
     </mc:Choice>
-    <mc:Fallback>
+    <mc:Fallback xmlns="">
       <p:transition spd="slow"/>
     </mc:Fallback>
   </mc:AlternateContent>
